--- a/공모전/S1_공모전_보이스피싱_v0.pptx
+++ b/공모전/S1_공모전_보이스피싱_v0.pptx
@@ -10206,8 +10206,8 @@
         </p:nvSpPr>
         <p:spPr>
           <a:xfrm>
-            <a:off x="4632342" y="3074821"/>
-            <a:ext cx="3945571" cy="338554"/>
+            <a:off x="4942735" y="3074821"/>
+            <a:ext cx="5199555" cy="400110"/>
           </a:xfrm>
           <a:prstGeom prst="rect">
             <a:avLst/>
@@ -10220,9 +10220,8 @@
           </a:bodyPr>
           <a:lstStyle/>
           <a:p>
-            <a:pPr algn="ctr"/>
             <a:r>
-              <a:rPr lang="en-US" altLang="ko-KR" sz="1600" dirty="0">
+              <a:rPr lang="en-US" altLang="ko-KR" sz="2000" dirty="0">
                 <a:ln>
                   <a:solidFill>
                     <a:schemeClr val="tx1">
@@ -10244,7 +10243,7 @@
               <a:t>S</a:t>
             </a:r>
             <a:r>
-              <a:rPr lang="ko-KR" altLang="en-US" sz="1600" dirty="0">
+              <a:rPr lang="ko-KR" altLang="en-US" sz="2000" dirty="0">
                 <a:ln>
                   <a:solidFill>
                     <a:schemeClr val="tx1">
@@ -10265,7 +10264,7 @@
               </a:rPr>
               <a:t>보이스 기반으로 통화 내용 문장화</a:t>
             </a:r>
-            <a:endParaRPr lang="en-US" altLang="ko-KR" sz="1600" dirty="0">
+            <a:endParaRPr lang="en-US" altLang="ko-KR" sz="2000" dirty="0">
               <a:ln>
                 <a:solidFill>
                   <a:schemeClr val="tx1">
@@ -10332,8 +10331,8 @@
         </p:nvSpPr>
         <p:spPr>
           <a:xfrm>
-            <a:off x="4586319" y="3851014"/>
-            <a:ext cx="3945571" cy="338554"/>
+            <a:off x="4942735" y="3829148"/>
+            <a:ext cx="5199555" cy="400110"/>
           </a:xfrm>
           <a:prstGeom prst="rect">
             <a:avLst/>
@@ -10346,9 +10345,8 @@
           </a:bodyPr>
           <a:lstStyle/>
           <a:p>
-            <a:pPr algn="ctr"/>
             <a:r>
-              <a:rPr lang="ko-KR" altLang="en-US" sz="1600" dirty="0">
+              <a:rPr lang="ko-KR" altLang="en-US" sz="2000" dirty="0">
                 <a:ln>
                   <a:solidFill>
                     <a:schemeClr val="tx1">
@@ -10370,7 +10368,7 @@
               <a:t>문장의 키워드</a:t>
             </a:r>
             <a:r>
-              <a:rPr lang="en-US" altLang="ko-KR" sz="1600" dirty="0">
+              <a:rPr lang="en-US" altLang="ko-KR" sz="2000" dirty="0">
                 <a:ln>
                   <a:solidFill>
                     <a:schemeClr val="tx1">
@@ -10392,7 +10390,7 @@
               <a:t>, </a:t>
             </a:r>
             <a:r>
-              <a:rPr lang="ko-KR" altLang="en-US" sz="1600" dirty="0">
+              <a:rPr lang="ko-KR" altLang="en-US" sz="2000" dirty="0">
                 <a:ln>
                   <a:solidFill>
                     <a:schemeClr val="tx1">
@@ -10413,7 +10411,7 @@
               </a:rPr>
               <a:t>패턴 중심으로 판단</a:t>
             </a:r>
-            <a:endParaRPr lang="en-US" altLang="ko-KR" sz="1600" dirty="0">
+            <a:endParaRPr lang="en-US" altLang="ko-KR" sz="2000" dirty="0">
               <a:ln>
                 <a:solidFill>
                   <a:schemeClr val="tx1">
@@ -10480,8 +10478,8 @@
         </p:nvSpPr>
         <p:spPr>
           <a:xfrm>
-            <a:off x="4431006" y="4583475"/>
-            <a:ext cx="3945571" cy="338554"/>
+            <a:off x="4942735" y="4583475"/>
+            <a:ext cx="5199555" cy="400110"/>
           </a:xfrm>
           <a:prstGeom prst="rect">
             <a:avLst/>
@@ -10494,9 +10492,8 @@
           </a:bodyPr>
           <a:lstStyle/>
           <a:p>
-            <a:pPr algn="ctr"/>
             <a:r>
-              <a:rPr lang="ko-KR" altLang="en-US" sz="1600" dirty="0">
+              <a:rPr lang="ko-KR" altLang="en-US" sz="2000" dirty="0">
                 <a:ln>
                   <a:solidFill>
                     <a:schemeClr val="tx1">
@@ -10517,7 +10514,7 @@
               </a:rPr>
               <a:t>보이스 피싱의 피해 최소화</a:t>
             </a:r>
-            <a:endParaRPr lang="en-US" altLang="ko-KR" sz="1600" dirty="0">
+            <a:endParaRPr lang="en-US" altLang="ko-KR" sz="2000" dirty="0">
               <a:ln>
                 <a:solidFill>
                   <a:schemeClr val="tx1">
@@ -10792,9 +10789,9 @@
         <p:grpSpPr>
           <a:xfrm>
             <a:off x="1043464" y="1325692"/>
-            <a:ext cx="9724071" cy="3887114"/>
+            <a:ext cx="9724071" cy="3908625"/>
             <a:chOff x="1386364" y="1325692"/>
-            <a:chExt cx="9724071" cy="3887114"/>
+            <a:chExt cx="9724071" cy="3908625"/>
           </a:xfrm>
         </p:grpSpPr>
         <p:grpSp>
@@ -11413,8 +11410,8 @@
           </p:nvSpPr>
           <p:spPr>
             <a:xfrm>
-              <a:off x="1905000" y="4812696"/>
-              <a:ext cx="3493264" cy="400110"/>
+              <a:off x="1905000" y="4711097"/>
+              <a:ext cx="4814138" cy="523220"/>
             </a:xfrm>
             <a:prstGeom prst="rect">
               <a:avLst/>
@@ -11427,7 +11424,7 @@
             <a:lstStyle/>
             <a:p>
               <a:r>
-                <a:rPr lang="en-US" altLang="ko-KR" sz="1000" dirty="0">
+                <a:rPr lang="en-US" altLang="ko-KR" sz="1400" dirty="0">
                   <a:ln>
                     <a:solidFill>
                       <a:schemeClr val="tx1">
@@ -11447,7 +11444,7 @@
                 <a:t>S</a:t>
               </a:r>
               <a:r>
-                <a:rPr lang="ko-KR" altLang="en-US" sz="1000" dirty="0">
+                <a:rPr lang="ko-KR" altLang="en-US" sz="1400" dirty="0">
                   <a:ln>
                     <a:solidFill>
                       <a:schemeClr val="tx1">
@@ -11467,7 +11464,7 @@
                 <a:t>보이스 기반으로 통화내용을</a:t>
               </a:r>
               <a:r>
-                <a:rPr lang="en-US" altLang="ko-KR" sz="1000" dirty="0">
+                <a:rPr lang="en-US" altLang="ko-KR" sz="1400" dirty="0">
                   <a:ln>
                     <a:solidFill>
                       <a:schemeClr val="tx1">
@@ -11487,7 +11484,7 @@
                 <a:t> </a:t>
               </a:r>
               <a:r>
-                <a:rPr lang="ko-KR" altLang="en-US" sz="1000" dirty="0">
+                <a:rPr lang="ko-KR" altLang="en-US" sz="1400" dirty="0">
                   <a:ln>
                     <a:solidFill>
                       <a:schemeClr val="tx1">
@@ -11506,7 +11503,7 @@
                 </a:rPr>
                 <a:t>문장으로 변환</a:t>
               </a:r>
-              <a:endParaRPr lang="en-US" altLang="ko-KR" sz="1000" dirty="0">
+              <a:endParaRPr lang="en-US" altLang="ko-KR" sz="1400" dirty="0">
                 <a:ln>
                   <a:solidFill>
                     <a:schemeClr val="tx1">
@@ -11526,7 +11523,7 @@
             </a:p>
             <a:p>
               <a:r>
-                <a:rPr lang="ko-KR" altLang="en-US" sz="1000" dirty="0">
+                <a:rPr lang="ko-KR" altLang="en-US" sz="1400" dirty="0">
                   <a:ln>
                     <a:solidFill>
                       <a:schemeClr val="tx1">
@@ -11546,7 +11543,7 @@
                 <a:t>문장안에 있는 내용을 </a:t>
               </a:r>
               <a:r>
-                <a:rPr lang="en-US" altLang="ko-KR" sz="1000" dirty="0">
+                <a:rPr lang="en-US" altLang="ko-KR" sz="1400" dirty="0">
                   <a:ln>
                     <a:solidFill>
                       <a:schemeClr val="tx1">
@@ -11566,7 +11563,7 @@
                 <a:t> </a:t>
               </a:r>
               <a:r>
-                <a:rPr lang="ko-KR" altLang="en-US" sz="1000" dirty="0">
+                <a:rPr lang="ko-KR" altLang="en-US" sz="1400" dirty="0">
                   <a:ln>
                     <a:solidFill>
                       <a:schemeClr val="tx1">
@@ -11585,7 +11582,7 @@
                 </a:rPr>
                 <a:t>보이스 피싱과 관련된 내용과 분석</a:t>
               </a:r>
-              <a:endParaRPr lang="en-US" altLang="ko-KR" sz="1000" dirty="0">
+              <a:endParaRPr lang="en-US" altLang="ko-KR" sz="1400" dirty="0">
                 <a:ln>
                   <a:solidFill>
                     <a:schemeClr val="tx1">
@@ -11613,8 +11610,8 @@
           </p:nvSpPr>
           <p:spPr>
             <a:xfrm>
-              <a:off x="4905382" y="3665464"/>
-              <a:ext cx="2672526" cy="400110"/>
+              <a:off x="4819299" y="3513269"/>
+              <a:ext cx="3666388" cy="523220"/>
             </a:xfrm>
             <a:prstGeom prst="rect">
               <a:avLst/>
@@ -11627,7 +11624,7 @@
             <a:lstStyle/>
             <a:p>
               <a:r>
-                <a:rPr lang="ko-KR" altLang="en-US" sz="1000" dirty="0">
+                <a:rPr lang="ko-KR" altLang="en-US" sz="1400" dirty="0">
                   <a:ln>
                     <a:solidFill>
                       <a:schemeClr val="tx1">
@@ -11648,7 +11645,7 @@
                 </a:rPr>
                 <a:t>문장안의 내용이 보이스 피싱과 유사하다면</a:t>
               </a:r>
-              <a:endParaRPr lang="en-US" altLang="ko-KR" sz="1000" dirty="0">
+              <a:endParaRPr lang="en-US" altLang="ko-KR" sz="1400" dirty="0">
                 <a:ln>
                   <a:solidFill>
                     <a:schemeClr val="tx1">
@@ -11670,7 +11667,7 @@
             </a:p>
             <a:p>
               <a:r>
-                <a:rPr lang="ko-KR" altLang="en-US" sz="1000" dirty="0">
+                <a:rPr lang="ko-KR" altLang="en-US" sz="1400" dirty="0">
                   <a:ln>
                     <a:solidFill>
                       <a:schemeClr val="tx1">
@@ -11691,7 +11688,7 @@
                 <a:t>즉시 사용자에게 경고</a:t>
               </a:r>
               <a:r>
-                <a:rPr lang="en-US" altLang="ko-KR" sz="1000" dirty="0">
+                <a:rPr lang="en-US" altLang="ko-KR" sz="1400" dirty="0">
                   <a:ln>
                     <a:solidFill>
                       <a:schemeClr val="tx1">
@@ -11712,7 +11709,7 @@
                 <a:t>, </a:t>
               </a:r>
               <a:r>
-                <a:rPr lang="ko-KR" altLang="en-US" sz="1000" dirty="0">
+                <a:rPr lang="ko-KR" altLang="en-US" sz="1400" dirty="0">
                   <a:ln>
                     <a:solidFill>
                       <a:schemeClr val="tx1">
@@ -11732,7 +11729,7 @@
                 </a:rPr>
                 <a:t>알림</a:t>
               </a:r>
-              <a:endParaRPr lang="ko-KR" altLang="en-US" sz="1000" dirty="0">
+              <a:endParaRPr lang="ko-KR" altLang="en-US" sz="1400" dirty="0">
                 <a:ln>
                   <a:solidFill>
                     <a:schemeClr val="tx1">
@@ -11760,8 +11757,8 @@
           </p:nvSpPr>
           <p:spPr>
             <a:xfrm>
-              <a:off x="7742466" y="2396926"/>
-              <a:ext cx="2287806" cy="246221"/>
+              <a:off x="7708900" y="2305235"/>
+              <a:ext cx="3127779" cy="307777"/>
             </a:xfrm>
             <a:prstGeom prst="rect">
               <a:avLst/>
@@ -11774,7 +11771,7 @@
             <a:lstStyle/>
             <a:p>
               <a:r>
-                <a:rPr lang="ko-KR" altLang="en-US" sz="1000" dirty="0">
+                <a:rPr lang="ko-KR" altLang="en-US" sz="1400" dirty="0">
                   <a:ln>
                     <a:solidFill>
                       <a:schemeClr val="tx1">
